--- a/Getting_started.pptx
+++ b/Getting_started.pptx
@@ -13,7 +13,6 @@
     <p:sldId id="261" r:id="rId7"/>
     <p:sldId id="350" r:id="rId8"/>
     <p:sldId id="323" r:id="rId9"/>
-    <p:sldId id="351" r:id="rId10"/>
   </p:sldIdLst>
   <p:sldSz cx="12192000" cy="6858000"/>
   <p:notesSz cx="6858000" cy="9144000"/>
@@ -269,7 +268,7 @@
           <a:p>
             <a:fld id="{DEABCE53-1D99-4BEE-AE28-D2367C4FBEC7}" type="datetimeFigureOut">
               <a:rPr lang="en-GB" smtClean="0"/>
-              <a:t>09/10/2020</a:t>
+              <a:t>14/10/2020</a:t>
             </a:fld>
             <a:endParaRPr lang="en-GB"/>
           </a:p>
@@ -469,7 +468,7 @@
           <a:p>
             <a:fld id="{DEABCE53-1D99-4BEE-AE28-D2367C4FBEC7}" type="datetimeFigureOut">
               <a:rPr lang="en-GB" smtClean="0"/>
-              <a:t>09/10/2020</a:t>
+              <a:t>14/10/2020</a:t>
             </a:fld>
             <a:endParaRPr lang="en-GB"/>
           </a:p>
@@ -679,7 +678,7 @@
           <a:p>
             <a:fld id="{DEABCE53-1D99-4BEE-AE28-D2367C4FBEC7}" type="datetimeFigureOut">
               <a:rPr lang="en-GB" smtClean="0"/>
-              <a:t>09/10/2020</a:t>
+              <a:t>14/10/2020</a:t>
             </a:fld>
             <a:endParaRPr lang="en-GB"/>
           </a:p>
@@ -879,7 +878,7 @@
           <a:p>
             <a:fld id="{DEABCE53-1D99-4BEE-AE28-D2367C4FBEC7}" type="datetimeFigureOut">
               <a:rPr lang="en-GB" smtClean="0"/>
-              <a:t>09/10/2020</a:t>
+              <a:t>14/10/2020</a:t>
             </a:fld>
             <a:endParaRPr lang="en-GB"/>
           </a:p>
@@ -1155,7 +1154,7 @@
           <a:p>
             <a:fld id="{DEABCE53-1D99-4BEE-AE28-D2367C4FBEC7}" type="datetimeFigureOut">
               <a:rPr lang="en-GB" smtClean="0"/>
-              <a:t>09/10/2020</a:t>
+              <a:t>14/10/2020</a:t>
             </a:fld>
             <a:endParaRPr lang="en-GB"/>
           </a:p>
@@ -1423,7 +1422,7 @@
           <a:p>
             <a:fld id="{DEABCE53-1D99-4BEE-AE28-D2367C4FBEC7}" type="datetimeFigureOut">
               <a:rPr lang="en-GB" smtClean="0"/>
-              <a:t>09/10/2020</a:t>
+              <a:t>14/10/2020</a:t>
             </a:fld>
             <a:endParaRPr lang="en-GB"/>
           </a:p>
@@ -1838,7 +1837,7 @@
           <a:p>
             <a:fld id="{DEABCE53-1D99-4BEE-AE28-D2367C4FBEC7}" type="datetimeFigureOut">
               <a:rPr lang="en-GB" smtClean="0"/>
-              <a:t>09/10/2020</a:t>
+              <a:t>14/10/2020</a:t>
             </a:fld>
             <a:endParaRPr lang="en-GB"/>
           </a:p>
@@ -1980,7 +1979,7 @@
           <a:p>
             <a:fld id="{DEABCE53-1D99-4BEE-AE28-D2367C4FBEC7}" type="datetimeFigureOut">
               <a:rPr lang="en-GB" smtClean="0"/>
-              <a:t>09/10/2020</a:t>
+              <a:t>14/10/2020</a:t>
             </a:fld>
             <a:endParaRPr lang="en-GB"/>
           </a:p>
@@ -2093,7 +2092,7 @@
           <a:p>
             <a:fld id="{DEABCE53-1D99-4BEE-AE28-D2367C4FBEC7}" type="datetimeFigureOut">
               <a:rPr lang="en-GB" smtClean="0"/>
-              <a:t>09/10/2020</a:t>
+              <a:t>14/10/2020</a:t>
             </a:fld>
             <a:endParaRPr lang="en-GB"/>
           </a:p>
@@ -2406,7 +2405,7 @@
           <a:p>
             <a:fld id="{DEABCE53-1D99-4BEE-AE28-D2367C4FBEC7}" type="datetimeFigureOut">
               <a:rPr lang="en-GB" smtClean="0"/>
-              <a:t>09/10/2020</a:t>
+              <a:t>14/10/2020</a:t>
             </a:fld>
             <a:endParaRPr lang="en-GB"/>
           </a:p>
@@ -2695,7 +2694,7 @@
           <a:p>
             <a:fld id="{DEABCE53-1D99-4BEE-AE28-D2367C4FBEC7}" type="datetimeFigureOut">
               <a:rPr lang="en-GB" smtClean="0"/>
-              <a:t>09/10/2020</a:t>
+              <a:t>14/10/2020</a:t>
             </a:fld>
             <a:endParaRPr lang="en-GB"/>
           </a:p>
@@ -2938,7 +2937,7 @@
           <a:p>
             <a:fld id="{DEABCE53-1D99-4BEE-AE28-D2367C4FBEC7}" type="datetimeFigureOut">
               <a:rPr lang="en-GB" smtClean="0"/>
-              <a:t>09/10/2020</a:t>
+              <a:t>14/10/2020</a:t>
             </a:fld>
             <a:endParaRPr lang="en-GB"/>
           </a:p>
@@ -4760,6 +4759,49 @@
           </a:p>
         </p:txBody>
       </p:sp>
+      <p:sp>
+        <p:nvSpPr>
+          <p:cNvPr id="5" name="TextBox 4">
+            <a:extLst>
+              <a:ext uri="{FF2B5EF4-FFF2-40B4-BE49-F238E27FC236}">
+                <a16:creationId xmlns:a16="http://schemas.microsoft.com/office/drawing/2014/main" id="{A2651E5B-655D-4C19-9627-56538F24F7BF}"/>
+              </a:ext>
+            </a:extLst>
+          </p:cNvPr>
+          <p:cNvSpPr txBox="1"/>
+          <p:nvPr/>
+        </p:nvSpPr>
+        <p:spPr>
+          <a:xfrm>
+            <a:off x="473676" y="4558640"/>
+            <a:ext cx="2142524" cy="646331"/>
+          </a:xfrm>
+          <a:prstGeom prst="rect">
+            <a:avLst/>
+          </a:prstGeom>
+          <a:noFill/>
+        </p:spPr>
+        <p:txBody>
+          <a:bodyPr wrap="square" rtlCol="0">
+            <a:spAutoFit/>
+          </a:bodyPr>
+          <a:lstStyle/>
+          <a:p>
+            <a:r>
+              <a:rPr lang="en-GB" dirty="0"/>
+              <a:t>This is </a:t>
+            </a:r>
+            <a:r>
+              <a:rPr lang="en-GB" dirty="0" err="1"/>
+              <a:t>mobaxterm</a:t>
+            </a:r>
+            <a:r>
+              <a:rPr lang="en-GB" dirty="0"/>
+              <a:t> for windows</a:t>
+            </a:r>
+          </a:p>
+        </p:txBody>
+      </p:sp>
     </p:spTree>
     <p:extLst>
       <p:ext uri="{BB962C8B-B14F-4D97-AF65-F5344CB8AC3E}">
@@ -5153,258 +5195,6 @@
     <p:extLst>
       <p:ext uri="{BB962C8B-B14F-4D97-AF65-F5344CB8AC3E}">
         <p14:creationId xmlns:p14="http://schemas.microsoft.com/office/powerpoint/2010/main" val="3288143969"/>
-      </p:ext>
-    </p:extLst>
-  </p:cSld>
-  <p:clrMapOvr>
-    <a:masterClrMapping/>
-  </p:clrMapOvr>
-</p:sld>
-</file>
-
-<file path=ppt/slides/slide9.xml><?xml version="1.0" encoding="utf-8"?>
-<p:sld xmlns:a="http://schemas.openxmlformats.org/drawingml/2006/main" xmlns:r="http://schemas.openxmlformats.org/officeDocument/2006/relationships" xmlns:p="http://schemas.openxmlformats.org/presentationml/2006/main">
-  <p:cSld>
-    <p:spTree>
-      <p:nvGrpSpPr>
-        <p:cNvPr id="1" name=""/>
-        <p:cNvGrpSpPr/>
-        <p:nvPr/>
-      </p:nvGrpSpPr>
-      <p:grpSpPr>
-        <a:xfrm>
-          <a:off x="0" y="0"/>
-          <a:ext cx="0" cy="0"/>
-          <a:chOff x="0" y="0"/>
-          <a:chExt cx="0" cy="0"/>
-        </a:xfrm>
-      </p:grpSpPr>
-      <p:sp>
-        <p:nvSpPr>
-          <p:cNvPr id="2" name="Title 1">
-            <a:extLst>
-              <a:ext uri="{FF2B5EF4-FFF2-40B4-BE49-F238E27FC236}">
-                <a16:creationId xmlns:a16="http://schemas.microsoft.com/office/drawing/2014/main" id="{CAE0D78F-EB18-4D9F-8F21-7D3FFEDBB021}"/>
-              </a:ext>
-            </a:extLst>
-          </p:cNvPr>
-          <p:cNvSpPr>
-            <a:spLocks noGrp="1"/>
-          </p:cNvSpPr>
-          <p:nvPr>
-            <p:ph type="title"/>
-          </p:nvPr>
-        </p:nvSpPr>
-        <p:spPr>
-          <a:xfrm>
-            <a:off x="64169" y="-142875"/>
-            <a:ext cx="11927962" cy="1325563"/>
-          </a:xfrm>
-        </p:spPr>
-        <p:txBody>
-          <a:bodyPr/>
-          <a:lstStyle/>
-          <a:p>
-            <a:pPr algn="ctr"/>
-            <a:r>
-              <a:rPr lang="en-GB" dirty="0">
-                <a:solidFill>
-                  <a:srgbClr val="7030A0"/>
-                </a:solidFill>
-              </a:rPr>
-              <a:t>Get some long jobs running</a:t>
-            </a:r>
-            <a:endParaRPr lang="en-US" dirty="0">
-              <a:solidFill>
-                <a:srgbClr val="7030A0"/>
-              </a:solidFill>
-            </a:endParaRPr>
-          </a:p>
-        </p:txBody>
-      </p:sp>
-      <p:sp>
-        <p:nvSpPr>
-          <p:cNvPr id="3" name="Content Placeholder 2">
-            <a:extLst>
-              <a:ext uri="{FF2B5EF4-FFF2-40B4-BE49-F238E27FC236}">
-                <a16:creationId xmlns:a16="http://schemas.microsoft.com/office/drawing/2014/main" id="{99AF5DBF-728C-4AEC-90F9-7A829A4BFA9F}"/>
-              </a:ext>
-            </a:extLst>
-          </p:cNvPr>
-          <p:cNvSpPr>
-            <a:spLocks noGrp="1"/>
-          </p:cNvSpPr>
-          <p:nvPr>
-            <p:ph idx="1"/>
-          </p:nvPr>
-        </p:nvSpPr>
-        <p:spPr>
-          <a:xfrm>
-            <a:off x="401052" y="1253331"/>
-            <a:ext cx="11404868" cy="4351338"/>
-          </a:xfrm>
-        </p:spPr>
-        <p:txBody>
-          <a:bodyPr/>
-          <a:lstStyle/>
-          <a:p>
-            <a:r>
-              <a:rPr lang="en-GB" dirty="0"/>
-              <a:t>Submit some jobs to the cluster. </a:t>
-            </a:r>
-          </a:p>
-          <a:p>
-            <a:r>
-              <a:rPr lang="en-GB" dirty="0">
-                <a:solidFill>
-                  <a:srgbClr val="FF0000"/>
-                </a:solidFill>
-              </a:rPr>
-              <a:t>cd </a:t>
-            </a:r>
-            <a:r>
-              <a:rPr lang="en-GB" dirty="0"/>
-              <a:t>into the </a:t>
-            </a:r>
-            <a:r>
-              <a:rPr lang="en-GB" dirty="0" err="1">
-                <a:solidFill>
-                  <a:srgbClr val="FF0000"/>
-                </a:solidFill>
-              </a:rPr>
-              <a:t>shell_scripts</a:t>
-            </a:r>
-            <a:r>
-              <a:rPr lang="en-GB" dirty="0">
-                <a:solidFill>
-                  <a:srgbClr val="FF0000"/>
-                </a:solidFill>
-              </a:rPr>
-              <a:t> </a:t>
-            </a:r>
-            <a:r>
-              <a:rPr lang="en-GB" dirty="0"/>
-              <a:t>folder  (</a:t>
-            </a:r>
-            <a:r>
-              <a:rPr lang="en-GB" u="sng" dirty="0"/>
-              <a:t>tab auto complete!!)</a:t>
-            </a:r>
-          </a:p>
-          <a:p>
-            <a:endParaRPr lang="en-GB" u="sng" dirty="0"/>
-          </a:p>
-          <a:p>
-            <a:pPr lvl="1"/>
-            <a:r>
-              <a:rPr lang="en-GB" dirty="0">
-                <a:solidFill>
-                  <a:srgbClr val="FF0000"/>
-                </a:solidFill>
-              </a:rPr>
-              <a:t>cd $HOME/</a:t>
-            </a:r>
-            <a:r>
-              <a:rPr lang="en-GB" dirty="0" err="1">
-                <a:solidFill>
-                  <a:srgbClr val="FF0000"/>
-                </a:solidFill>
-              </a:rPr>
-              <a:t>genome_assembly_workshop</a:t>
-            </a:r>
-            <a:r>
-              <a:rPr lang="en-GB" dirty="0">
-                <a:solidFill>
-                  <a:srgbClr val="FF0000"/>
-                </a:solidFill>
-              </a:rPr>
-              <a:t>/</a:t>
-            </a:r>
-            <a:r>
-              <a:rPr lang="en-GB" dirty="0" err="1">
-                <a:solidFill>
-                  <a:srgbClr val="FF0000"/>
-                </a:solidFill>
-              </a:rPr>
-              <a:t>shell_scripts</a:t>
-            </a:r>
-            <a:endParaRPr lang="en-GB" dirty="0">
-              <a:solidFill>
-                <a:srgbClr val="FF0000"/>
-              </a:solidFill>
-            </a:endParaRPr>
-          </a:p>
-          <a:p>
-            <a:pPr marL="0" indent="0">
-              <a:buNone/>
-            </a:pPr>
-            <a:r>
-              <a:rPr lang="en-GB" dirty="0"/>
-              <a:t>	</a:t>
-            </a:r>
-            <a:r>
-              <a:rPr lang="en-GB" dirty="0" err="1"/>
-              <a:t>conda</a:t>
-            </a:r>
-            <a:r>
-              <a:rPr lang="en-GB" dirty="0"/>
-              <a:t> activate </a:t>
-            </a:r>
-            <a:r>
-              <a:rPr lang="en-GB" dirty="0" err="1"/>
-              <a:t>unicyclerENV</a:t>
-            </a:r>
-            <a:endParaRPr lang="en-GB" dirty="0"/>
-          </a:p>
-          <a:p>
-            <a:pPr lvl="1"/>
-            <a:r>
-              <a:rPr lang="en-GB" dirty="0" err="1">
-                <a:solidFill>
-                  <a:srgbClr val="FF0000"/>
-                </a:solidFill>
-              </a:rPr>
-              <a:t>qsub</a:t>
-            </a:r>
-            <a:r>
-              <a:rPr lang="en-GB" dirty="0">
-                <a:solidFill>
-                  <a:srgbClr val="FF0000"/>
-                </a:solidFill>
-              </a:rPr>
-              <a:t> -V unicycler.sh</a:t>
-            </a:r>
-          </a:p>
-          <a:p>
-            <a:pPr lvl="1"/>
-            <a:r>
-              <a:rPr lang="en-GB" dirty="0" err="1">
-                <a:solidFill>
-                  <a:srgbClr val="FF0000"/>
-                </a:solidFill>
-              </a:rPr>
-              <a:t>qsub</a:t>
-            </a:r>
-            <a:r>
-              <a:rPr lang="en-GB" dirty="0">
-                <a:solidFill>
-                  <a:srgbClr val="FF0000"/>
-                </a:solidFill>
-              </a:rPr>
-              <a:t> -V spades.sh</a:t>
-            </a:r>
-            <a:endParaRPr lang="en-US" dirty="0">
-              <a:solidFill>
-                <a:srgbClr val="FF0000"/>
-              </a:solidFill>
-            </a:endParaRPr>
-          </a:p>
-        </p:txBody>
-      </p:sp>
-    </p:spTree>
-    <p:extLst>
-      <p:ext uri="{BB962C8B-B14F-4D97-AF65-F5344CB8AC3E}">
-        <p14:creationId xmlns:p14="http://schemas.microsoft.com/office/powerpoint/2010/main" val="178975013"/>
       </p:ext>
     </p:extLst>
   </p:cSld>
